--- a/Module2/Mod2_Class1_2019.pptx
+++ b/Module2/Mod2_Class1_2019.pptx
@@ -5,10 +5,10 @@
     <p:sldMasterId id="2147483648" r:id="rId1"/>
   </p:sldMasterIdLst>
   <p:notesMasterIdLst>
-    <p:notesMasterId r:id="rId21"/>
+    <p:notesMasterId r:id="rId22"/>
   </p:notesMasterIdLst>
   <p:handoutMasterIdLst>
-    <p:handoutMasterId r:id="rId22"/>
+    <p:handoutMasterId r:id="rId23"/>
   </p:handoutMasterIdLst>
   <p:sldIdLst>
     <p:sldId id="256" r:id="rId2"/>
@@ -20,16 +20,17 @@
     <p:sldId id="285" r:id="rId8"/>
     <p:sldId id="286" r:id="rId9"/>
     <p:sldId id="288" r:id="rId10"/>
-    <p:sldId id="287" r:id="rId11"/>
-    <p:sldId id="289" r:id="rId12"/>
-    <p:sldId id="290" r:id="rId13"/>
-    <p:sldId id="291" r:id="rId14"/>
-    <p:sldId id="293" r:id="rId15"/>
-    <p:sldId id="292" r:id="rId16"/>
-    <p:sldId id="294" r:id="rId17"/>
-    <p:sldId id="298" r:id="rId18"/>
-    <p:sldId id="300" r:id="rId19"/>
-    <p:sldId id="282" r:id="rId20"/>
+    <p:sldId id="301" r:id="rId11"/>
+    <p:sldId id="287" r:id="rId12"/>
+    <p:sldId id="289" r:id="rId13"/>
+    <p:sldId id="290" r:id="rId14"/>
+    <p:sldId id="291" r:id="rId15"/>
+    <p:sldId id="293" r:id="rId16"/>
+    <p:sldId id="292" r:id="rId17"/>
+    <p:sldId id="294" r:id="rId18"/>
+    <p:sldId id="298" r:id="rId19"/>
+    <p:sldId id="300" r:id="rId20"/>
+    <p:sldId id="282" r:id="rId21"/>
   </p:sldIdLst>
   <p:sldSz cx="9144000" cy="6858000" type="screen4x3"/>
   <p:notesSz cx="6858000" cy="9144000"/>
@@ -229,7 +230,7 @@
           <a:p>
             <a:fld id="{7F190E37-9139-054A-8EB0-9A00D7534F56}" type="datetimeFigureOut">
               <a:rPr lang="en-US" smtClean="0"/>
-              <a:t>2/24/19</a:t>
+              <a:t>2/25/19</a:t>
             </a:fld>
             <a:endParaRPr lang="en-US"/>
           </a:p>
@@ -395,7 +396,7 @@
           <a:p>
             <a:fld id="{1ECD8682-E585-F54B-8F39-4113524B28D1}" type="datetimeFigureOut">
               <a:rPr lang="en-US" smtClean="0"/>
-              <a:t>2/24/19</a:t>
+              <a:t>2/25/19</a:t>
             </a:fld>
             <a:endParaRPr lang="en-US"/>
           </a:p>
@@ -3947,11 +3948,7 @@
           <a:p>
             <a:r>
               <a:rPr lang="en-US" dirty="0" smtClean="0"/>
-              <a:t>Air </a:t>
-            </a:r>
-            <a:r>
-              <a:rPr lang="en-US" dirty="0" smtClean="0"/>
-              <a:t>particulate pollution and mortality</a:t>
+              <a:t>Air particulate pollution and mortality</a:t>
             </a:r>
           </a:p>
           <a:p>
@@ -4016,181 +4013,89 @@
         </p:nvSpPr>
         <p:spPr/>
         <p:txBody>
-          <a:bodyPr>
-            <a:normAutofit/>
-          </a:bodyPr>
+          <a:bodyPr/>
           <a:lstStyle/>
           <a:p>
             <a:r>
-              <a:rPr lang="en-US" dirty="0" smtClean="0"/>
-              <a:t>NMMAPS data -- Chicago</a:t>
-            </a:r>
-            <a:endParaRPr lang="en-US" dirty="0"/>
-          </a:p>
-        </p:txBody>
-      </p:sp>
-      <p:sp>
-        <p:nvSpPr>
-          <p:cNvPr id="3" name="Content Placeholder 2"/>
-          <p:cNvSpPr>
-            <a:spLocks noGrp="1"/>
-          </p:cNvSpPr>
+              <a:rPr lang="en-US" smtClean="0"/>
+              <a:t>What is PM10?</a:t>
+            </a:r>
+            <a:endParaRPr lang="en-US"/>
+          </a:p>
+        </p:txBody>
+      </p:sp>
+      <p:pic>
+        <p:nvPicPr>
+          <p:cNvPr id="7" name="Content Placeholder 6"/>
+          <p:cNvPicPr>
+            <a:picLocks noGrp="1" noChangeAspect="1"/>
+          </p:cNvPicPr>
           <p:nvPr>
             <p:ph idx="1"/>
           </p:nvPr>
-        </p:nvSpPr>
+        </p:nvPicPr>
+        <p:blipFill>
+          <a:blip r:embed="rId2">
+            <a:extLst>
+              <a:ext uri="{28A0092B-C50C-407E-A947-70E740481C1C}">
+                <a14:useLocalDpi xmlns:a14="http://schemas.microsoft.com/office/drawing/2010/main" val="0"/>
+              </a:ext>
+            </a:extLst>
+          </a:blip>
+          <a:stretch>
+            <a:fillRect/>
+          </a:stretch>
+        </p:blipFill>
         <p:spPr>
           <a:xfrm>
-            <a:off x="50920" y="1155003"/>
-            <a:ext cx="9244941" cy="5064663"/>
+            <a:off x="150498" y="810260"/>
+            <a:ext cx="8784267" cy="5064125"/>
           </a:xfrm>
         </p:spPr>
-        <p:txBody>
-          <a:bodyPr>
-            <a:noAutofit/>
-          </a:bodyPr>
+      </p:pic>
+      <p:sp>
+        <p:nvSpPr>
+          <p:cNvPr id="4" name="Date Placeholder 3"/>
+          <p:cNvSpPr>
+            <a:spLocks noGrp="1"/>
+          </p:cNvSpPr>
+          <p:nvPr>
+            <p:ph type="dt" sz="half" idx="10"/>
+          </p:nvPr>
+        </p:nvSpPr>
+        <p:spPr/>
+        <p:txBody>
+          <a:bodyPr/>
           <a:lstStyle/>
           <a:p>
-            <a:pPr marL="0" indent="0">
-              <a:buNone/>
-            </a:pPr>
-            <a:r>
-              <a:rPr lang="en-US" sz="1800" dirty="0">
-                <a:latin typeface="Courier"/>
-                <a:cs typeface="Courier"/>
-              </a:rPr>
-              <a:t>&gt; head(</a:t>
-            </a:r>
-            <a:r>
-              <a:rPr lang="en-US" sz="1800" dirty="0" err="1">
-                <a:latin typeface="Courier"/>
-                <a:cs typeface="Courier"/>
-              </a:rPr>
-              <a:t>chicago.data</a:t>
-            </a:r>
-            <a:r>
-              <a:rPr lang="en-US" sz="1800" dirty="0">
-                <a:latin typeface="Courier"/>
-                <a:cs typeface="Courier"/>
-              </a:rPr>
-              <a:t>)</a:t>
-            </a:r>
-          </a:p>
-          <a:p>
-            <a:pPr marL="0" indent="0">
-              <a:buNone/>
-            </a:pPr>
-            <a:r>
-              <a:rPr lang="en-US" sz="1800" dirty="0">
-                <a:latin typeface="Courier"/>
-                <a:cs typeface="Courier"/>
-              </a:rPr>
-              <a:t>        date city death      pm10 </a:t>
-            </a:r>
-            <a:r>
-              <a:rPr lang="en-US" sz="1800" dirty="0" err="1">
-                <a:latin typeface="Courier"/>
-                <a:cs typeface="Courier"/>
-              </a:rPr>
-              <a:t>tempF</a:t>
-            </a:r>
-            <a:r>
-              <a:rPr lang="en-US" sz="1800" dirty="0">
-                <a:latin typeface="Courier"/>
-                <a:cs typeface="Courier"/>
-              </a:rPr>
-              <a:t>        o3      </a:t>
-            </a:r>
-            <a:r>
-              <a:rPr lang="en-US" sz="1800" dirty="0" err="1">
-                <a:latin typeface="Courier"/>
-                <a:cs typeface="Courier"/>
-              </a:rPr>
-              <a:t>dow</a:t>
-            </a:r>
-            <a:r>
-              <a:rPr lang="en-US" sz="1800" dirty="0">
-                <a:latin typeface="Courier"/>
-                <a:cs typeface="Courier"/>
-              </a:rPr>
-              <a:t> season</a:t>
-            </a:r>
-          </a:p>
-          <a:p>
-            <a:pPr marL="0" indent="0">
-              <a:buNone/>
-            </a:pPr>
-            <a:r>
-              <a:rPr lang="en-US" sz="1800" dirty="0">
-                <a:latin typeface="Courier"/>
-                <a:cs typeface="Courier"/>
-              </a:rPr>
-              <a:t>1 1987-01-01 chic   130 -7.433544  31.5 -19.59234 Thursday Winter</a:t>
-            </a:r>
-          </a:p>
-          <a:p>
-            <a:pPr marL="0" indent="0">
-              <a:buNone/>
-            </a:pPr>
-            <a:r>
-              <a:rPr lang="en-US" sz="1800" dirty="0">
-                <a:latin typeface="Courier"/>
-                <a:cs typeface="Courier"/>
-              </a:rPr>
-              <a:t>2 1987-01-02 chic   150        NA  33.0 -19.03861   Friday Winter</a:t>
-            </a:r>
-          </a:p>
-          <a:p>
-            <a:pPr marL="0" indent="0">
-              <a:buNone/>
-            </a:pPr>
-            <a:r>
-              <a:rPr lang="en-US" sz="1800" dirty="0">
-                <a:latin typeface="Courier"/>
-                <a:cs typeface="Courier"/>
-              </a:rPr>
-              <a:t>3 1987-01-03 chic   101 -1.550923  33.0 -20.21734 Saturday Winter</a:t>
-            </a:r>
-          </a:p>
-          <a:p>
-            <a:pPr marL="0" indent="0">
-              <a:buNone/>
-            </a:pPr>
-            <a:r>
-              <a:rPr lang="en-US" sz="1800" dirty="0">
-                <a:latin typeface="Courier"/>
-                <a:cs typeface="Courier"/>
-              </a:rPr>
-              <a:t>4 1987-01-04 chic   135  5.566456  29.0 -19.67567   Sunday Winter</a:t>
-            </a:r>
-          </a:p>
-          <a:p>
-            <a:pPr marL="0" indent="0">
-              <a:buNone/>
-            </a:pPr>
-            <a:r>
-              <a:rPr lang="en-US" sz="1800" dirty="0">
-                <a:latin typeface="Courier"/>
-                <a:cs typeface="Courier"/>
-              </a:rPr>
-              <a:t>5 1987-01-05 chic   126        NA  32.0 -19.21734   Monday Winter</a:t>
-            </a:r>
-          </a:p>
-          <a:p>
-            <a:pPr marL="0" indent="0">
-              <a:buNone/>
-            </a:pPr>
-            <a:r>
-              <a:rPr lang="en-US" sz="1800" dirty="0">
-                <a:latin typeface="Courier"/>
-                <a:cs typeface="Courier"/>
-              </a:rPr>
-              <a:t>6 1987-01-06 chic   130  6.566456  40.0 -17.63400  Tuesday Winter</a:t>
-            </a:r>
-            <a:endParaRPr lang="en-US" sz="1800" dirty="0" smtClean="0">
-              <a:latin typeface="Courier"/>
-              <a:cs typeface="Courier"/>
-            </a:endParaRPr>
+            <a:r>
+              <a:rPr lang="en-US" smtClean="0"/>
+              <a:t>9/3/14</a:t>
+            </a:r>
+            <a:endParaRPr lang="en-US" dirty="0" smtClean="0"/>
+          </a:p>
+        </p:txBody>
+      </p:sp>
+      <p:sp>
+        <p:nvSpPr>
+          <p:cNvPr id="5" name="Footer Placeholder 4"/>
+          <p:cNvSpPr>
+            <a:spLocks noGrp="1"/>
+          </p:cNvSpPr>
+          <p:nvPr>
+            <p:ph type="ftr" sz="quarter" idx="11"/>
+          </p:nvPr>
+        </p:nvSpPr>
+        <p:spPr/>
+        <p:txBody>
+          <a:bodyPr/>
+          <a:lstStyle/>
+          <a:p>
+            <a:r>
+              <a:rPr lang="en-US" smtClean="0"/>
+              <a:t>Public Heath Biostatistics</a:t>
+            </a:r>
+            <a:endParaRPr lang="en-US"/>
           </a:p>
         </p:txBody>
       </p:sp>
@@ -4219,41 +4124,14 @@
       </p:sp>
       <p:sp>
         <p:nvSpPr>
-          <p:cNvPr id="7" name="Footer Placeholder 4"/>
-          <p:cNvSpPr>
-            <a:spLocks noGrp="1"/>
-          </p:cNvSpPr>
-          <p:nvPr>
-            <p:ph type="ftr" sz="quarter" idx="11"/>
-          </p:nvPr>
+          <p:cNvPr id="8" name="TextBox 7"/>
+          <p:cNvSpPr txBox="1"/>
+          <p:nvPr/>
         </p:nvSpPr>
         <p:spPr>
           <a:xfrm>
-            <a:off x="2590800" y="6356350"/>
-            <a:ext cx="3962400" cy="365125"/>
-          </a:xfrm>
-        </p:spPr>
-        <p:txBody>
-          <a:bodyPr/>
-          <a:lstStyle/>
-          <a:p>
-            <a:r>
-              <a:rPr lang="en-US" dirty="0"/>
-              <a:t>Health Data Analysis Practicum </a:t>
-            </a:r>
-          </a:p>
-        </p:txBody>
-      </p:sp>
-      <p:sp>
-        <p:nvSpPr>
-          <p:cNvPr id="4" name="TextBox 3"/>
-          <p:cNvSpPr txBox="1"/>
-          <p:nvPr/>
-        </p:nvSpPr>
-        <p:spPr>
-          <a:xfrm>
-            <a:off x="1601466" y="736182"/>
-            <a:ext cx="914400" cy="914400"/>
+            <a:off x="337170" y="5899150"/>
+            <a:ext cx="8605520" cy="914400"/>
           </a:xfrm>
           <a:prstGeom prst="rect">
             <a:avLst/>
@@ -4265,10 +4143,34 @@
           </a:bodyPr>
           <a:lstStyle/>
           <a:p>
-            <a:pPr marL="342900" indent="-342900" algn="l">
-              <a:buFont typeface="Arial"/>
-              <a:buChar char="•"/>
-            </a:pPr>
+            <a:r>
+              <a:rPr lang="en-US" sz="2200" dirty="0"/>
+              <a:t>http://</a:t>
+            </a:r>
+            <a:r>
+              <a:rPr lang="en-US" sz="2200" dirty="0" err="1"/>
+              <a:t>www.irceline.be</a:t>
+            </a:r>
+            <a:r>
+              <a:rPr lang="en-US" sz="2200" dirty="0"/>
+              <a:t>/</a:t>
+            </a:r>
+            <a:r>
+              <a:rPr lang="en-US" sz="2200" dirty="0" err="1"/>
+              <a:t>en</a:t>
+            </a:r>
+            <a:r>
+              <a:rPr lang="en-US" sz="2200" dirty="0"/>
+              <a:t>/documentation/</a:t>
+            </a:r>
+            <a:r>
+              <a:rPr lang="en-US" sz="2200" dirty="0" err="1"/>
+              <a:t>faq</a:t>
+            </a:r>
+            <a:r>
+              <a:rPr lang="en-US" sz="2200" dirty="0"/>
+              <a:t>/what-is-pm10-and-pm2.5</a:t>
+            </a:r>
             <a:endParaRPr lang="en-US" sz="2200" dirty="0" smtClean="0">
               <a:solidFill>
                 <a:schemeClr val="tx1"/>
@@ -4280,7 +4182,7 @@
     </p:spTree>
     <p:extLst>
       <p:ext uri="{BB962C8B-B14F-4D97-AF65-F5344CB8AC3E}">
-        <p14:creationId xmlns:p14="http://schemas.microsoft.com/office/powerpoint/2010/main" val="1544960362"/>
+        <p14:creationId xmlns:p14="http://schemas.microsoft.com/office/powerpoint/2010/main" val="238999457"/>
       </p:ext>
     </p:extLst>
   </p:cSld>
@@ -4334,6 +4236,171 @@
       </p:sp>
       <p:sp>
         <p:nvSpPr>
+          <p:cNvPr id="3" name="Content Placeholder 2"/>
+          <p:cNvSpPr>
+            <a:spLocks noGrp="1"/>
+          </p:cNvSpPr>
+          <p:nvPr>
+            <p:ph idx="1"/>
+          </p:nvPr>
+        </p:nvSpPr>
+        <p:spPr>
+          <a:xfrm>
+            <a:off x="50920" y="1155003"/>
+            <a:ext cx="9244941" cy="5064663"/>
+          </a:xfrm>
+        </p:spPr>
+        <p:txBody>
+          <a:bodyPr>
+            <a:noAutofit/>
+          </a:bodyPr>
+          <a:lstStyle/>
+          <a:p>
+            <a:pPr marL="0" indent="0">
+              <a:buNone/>
+            </a:pPr>
+            <a:r>
+              <a:rPr lang="en-US" sz="1800" dirty="0">
+                <a:latin typeface="Courier"/>
+                <a:cs typeface="Courier"/>
+              </a:rPr>
+              <a:t>&gt; head(</a:t>
+            </a:r>
+            <a:r>
+              <a:rPr lang="en-US" sz="1800" dirty="0" err="1">
+                <a:latin typeface="Courier"/>
+                <a:cs typeface="Courier"/>
+              </a:rPr>
+              <a:t>chicago.data</a:t>
+            </a:r>
+            <a:r>
+              <a:rPr lang="en-US" sz="1800" dirty="0">
+                <a:latin typeface="Courier"/>
+                <a:cs typeface="Courier"/>
+              </a:rPr>
+              <a:t>)</a:t>
+            </a:r>
+          </a:p>
+          <a:p>
+            <a:pPr marL="0" indent="0">
+              <a:buNone/>
+            </a:pPr>
+            <a:r>
+              <a:rPr lang="en-US" sz="1800" dirty="0">
+                <a:latin typeface="Courier"/>
+                <a:cs typeface="Courier"/>
+              </a:rPr>
+              <a:t>        date city death      pm10 </a:t>
+            </a:r>
+            <a:r>
+              <a:rPr lang="en-US" sz="1800" dirty="0" err="1">
+                <a:latin typeface="Courier"/>
+                <a:cs typeface="Courier"/>
+              </a:rPr>
+              <a:t>tempF</a:t>
+            </a:r>
+            <a:r>
+              <a:rPr lang="en-US" sz="1800" dirty="0">
+                <a:latin typeface="Courier"/>
+                <a:cs typeface="Courier"/>
+              </a:rPr>
+              <a:t>        o3      </a:t>
+            </a:r>
+            <a:r>
+              <a:rPr lang="en-US" sz="1800" dirty="0" err="1">
+                <a:latin typeface="Courier"/>
+                <a:cs typeface="Courier"/>
+              </a:rPr>
+              <a:t>dow</a:t>
+            </a:r>
+            <a:r>
+              <a:rPr lang="en-US" sz="1800" dirty="0">
+                <a:latin typeface="Courier"/>
+                <a:cs typeface="Courier"/>
+              </a:rPr>
+              <a:t> season</a:t>
+            </a:r>
+          </a:p>
+          <a:p>
+            <a:pPr marL="0" indent="0">
+              <a:buNone/>
+            </a:pPr>
+            <a:r>
+              <a:rPr lang="en-US" sz="1800" dirty="0">
+                <a:latin typeface="Courier"/>
+                <a:cs typeface="Courier"/>
+              </a:rPr>
+              <a:t>1 1987-01-01 chic   130 -7.433544  31.5 -19.59234 Thursday Winter</a:t>
+            </a:r>
+          </a:p>
+          <a:p>
+            <a:pPr marL="0" indent="0">
+              <a:buNone/>
+            </a:pPr>
+            <a:r>
+              <a:rPr lang="en-US" sz="1800" dirty="0">
+                <a:latin typeface="Courier"/>
+                <a:cs typeface="Courier"/>
+              </a:rPr>
+              <a:t>2 1987-01-02 chic   150        NA  33.0 -19.03861   Friday Winter</a:t>
+            </a:r>
+          </a:p>
+          <a:p>
+            <a:pPr marL="0" indent="0">
+              <a:buNone/>
+            </a:pPr>
+            <a:r>
+              <a:rPr lang="en-US" sz="1800" dirty="0">
+                <a:latin typeface="Courier"/>
+                <a:cs typeface="Courier"/>
+              </a:rPr>
+              <a:t>3 1987-01-03 chic   101 -1.550923  33.0 -20.21734 Saturday Winter</a:t>
+            </a:r>
+          </a:p>
+          <a:p>
+            <a:pPr marL="0" indent="0">
+              <a:buNone/>
+            </a:pPr>
+            <a:r>
+              <a:rPr lang="en-US" sz="1800" dirty="0">
+                <a:latin typeface="Courier"/>
+                <a:cs typeface="Courier"/>
+              </a:rPr>
+              <a:t>4 1987-01-04 chic   135  5.566456  29.0 -19.67567   Sunday Winter</a:t>
+            </a:r>
+          </a:p>
+          <a:p>
+            <a:pPr marL="0" indent="0">
+              <a:buNone/>
+            </a:pPr>
+            <a:r>
+              <a:rPr lang="en-US" sz="1800" dirty="0">
+                <a:latin typeface="Courier"/>
+                <a:cs typeface="Courier"/>
+              </a:rPr>
+              <a:t>5 1987-01-05 chic   126        NA  32.0 -19.21734   Monday Winter</a:t>
+            </a:r>
+          </a:p>
+          <a:p>
+            <a:pPr marL="0" indent="0">
+              <a:buNone/>
+            </a:pPr>
+            <a:r>
+              <a:rPr lang="en-US" sz="1800" dirty="0">
+                <a:latin typeface="Courier"/>
+                <a:cs typeface="Courier"/>
+              </a:rPr>
+              <a:t>6 1987-01-06 chic   130  6.566456  40.0 -17.63400  Tuesday Winter</a:t>
+            </a:r>
+            <a:endParaRPr lang="en-US" sz="1800" dirty="0" smtClean="0">
+              <a:latin typeface="Courier"/>
+              <a:cs typeface="Courier"/>
+            </a:endParaRPr>
+          </a:p>
+        </p:txBody>
+      </p:sp>
+      <p:sp>
+        <p:nvSpPr>
           <p:cNvPr id="6" name="Slide Number Placeholder 5"/>
           <p:cNvSpPr>
             <a:spLocks noGrp="1"/>
@@ -4350,6 +4417,144 @@
             <a:fld id="{2E49A1BC-06DB-0849-9175-6C876832AA2B}" type="slidenum">
               <a:rPr lang="en-US" smtClean="0"/>
               <a:t>11</a:t>
+            </a:fld>
+            <a:endParaRPr lang="en-US"/>
+          </a:p>
+        </p:txBody>
+      </p:sp>
+      <p:sp>
+        <p:nvSpPr>
+          <p:cNvPr id="7" name="Footer Placeholder 4"/>
+          <p:cNvSpPr>
+            <a:spLocks noGrp="1"/>
+          </p:cNvSpPr>
+          <p:nvPr>
+            <p:ph type="ftr" sz="quarter" idx="11"/>
+          </p:nvPr>
+        </p:nvSpPr>
+        <p:spPr>
+          <a:xfrm>
+            <a:off x="2590800" y="6356350"/>
+            <a:ext cx="3962400" cy="365125"/>
+          </a:xfrm>
+        </p:spPr>
+        <p:txBody>
+          <a:bodyPr/>
+          <a:lstStyle/>
+          <a:p>
+            <a:r>
+              <a:rPr lang="en-US" dirty="0"/>
+              <a:t>Health Data Analysis Practicum </a:t>
+            </a:r>
+          </a:p>
+        </p:txBody>
+      </p:sp>
+      <p:sp>
+        <p:nvSpPr>
+          <p:cNvPr id="4" name="TextBox 3"/>
+          <p:cNvSpPr txBox="1"/>
+          <p:nvPr/>
+        </p:nvSpPr>
+        <p:spPr>
+          <a:xfrm>
+            <a:off x="1601466" y="736182"/>
+            <a:ext cx="914400" cy="914400"/>
+          </a:xfrm>
+          <a:prstGeom prst="rect">
+            <a:avLst/>
+          </a:prstGeom>
+        </p:spPr>
+        <p:txBody>
+          <a:bodyPr vert="horz" wrap="none" lIns="91440" tIns="45720" rIns="91440" bIns="45720" rtlCol="0">
+            <a:normAutofit/>
+          </a:bodyPr>
+          <a:lstStyle/>
+          <a:p>
+            <a:pPr marL="342900" indent="-342900" algn="l">
+              <a:buFont typeface="Arial"/>
+              <a:buChar char="•"/>
+            </a:pPr>
+            <a:endParaRPr lang="en-US" sz="2200" dirty="0" smtClean="0">
+              <a:solidFill>
+                <a:schemeClr val="tx1"/>
+              </a:solidFill>
+            </a:endParaRPr>
+          </a:p>
+        </p:txBody>
+      </p:sp>
+    </p:spTree>
+    <p:extLst>
+      <p:ext uri="{BB962C8B-B14F-4D97-AF65-F5344CB8AC3E}">
+        <p14:creationId xmlns:p14="http://schemas.microsoft.com/office/powerpoint/2010/main" val="1544960362"/>
+      </p:ext>
+    </p:extLst>
+  </p:cSld>
+  <p:clrMapOvr>
+    <a:masterClrMapping/>
+  </p:clrMapOvr>
+</p:sld>
+</file>
+
+<file path=ppt/slides/slide12.xml><?xml version="1.0" encoding="utf-8"?>
+<p:sld xmlns:a="http://schemas.openxmlformats.org/drawingml/2006/main" xmlns:r="http://schemas.openxmlformats.org/officeDocument/2006/relationships" xmlns:p="http://schemas.openxmlformats.org/presentationml/2006/main">
+  <p:cSld>
+    <p:spTree>
+      <p:nvGrpSpPr>
+        <p:cNvPr id="1" name=""/>
+        <p:cNvGrpSpPr/>
+        <p:nvPr/>
+      </p:nvGrpSpPr>
+      <p:grpSpPr>
+        <a:xfrm>
+          <a:off x="0" y="0"/>
+          <a:ext cx="0" cy="0"/>
+          <a:chOff x="0" y="0"/>
+          <a:chExt cx="0" cy="0"/>
+        </a:xfrm>
+      </p:grpSpPr>
+      <p:sp>
+        <p:nvSpPr>
+          <p:cNvPr id="2" name="Title 1"/>
+          <p:cNvSpPr>
+            <a:spLocks noGrp="1"/>
+          </p:cNvSpPr>
+          <p:nvPr>
+            <p:ph type="title"/>
+          </p:nvPr>
+        </p:nvSpPr>
+        <p:spPr/>
+        <p:txBody>
+          <a:bodyPr>
+            <a:normAutofit/>
+          </a:bodyPr>
+          <a:lstStyle/>
+          <a:p>
+            <a:r>
+              <a:rPr lang="en-US" dirty="0" smtClean="0"/>
+              <a:t>NMMAPS data -- Chicago</a:t>
+            </a:r>
+            <a:endParaRPr lang="en-US" dirty="0"/>
+          </a:p>
+        </p:txBody>
+      </p:sp>
+      <p:sp>
+        <p:nvSpPr>
+          <p:cNvPr id="6" name="Slide Number Placeholder 5"/>
+          <p:cNvSpPr>
+            <a:spLocks noGrp="1"/>
+          </p:cNvSpPr>
+          <p:nvPr>
+            <p:ph type="sldNum" sz="quarter" idx="12"/>
+          </p:nvPr>
+        </p:nvSpPr>
+        <p:spPr/>
+        <p:txBody>
+          <a:bodyPr/>
+          <a:lstStyle/>
+          <a:p>
+            <a:fld id="{2E49A1BC-06DB-0849-9175-6C876832AA2B}" type="slidenum">
+              <a:rPr lang="en-US" smtClean="0"/>
+              <a:t>12</a:t>
             </a:fld>
             <a:endParaRPr lang="en-US"/>
           </a:p>
@@ -4452,7 +4657,7 @@
 </p:sld>
 </file>
 
-<file path=ppt/slides/slide12.xml><?xml version="1.0" encoding="utf-8"?>
+<file path=ppt/slides/slide13.xml><?xml version="1.0" encoding="utf-8"?>
 <p:sld xmlns:a="http://schemas.openxmlformats.org/drawingml/2006/main" xmlns:r="http://schemas.openxmlformats.org/officeDocument/2006/relationships" xmlns:p="http://schemas.openxmlformats.org/presentationml/2006/main">
   <p:cSld>
     <p:spTree>
@@ -4511,7 +4716,7 @@
           <a:p>
             <a:fld id="{2E49A1BC-06DB-0849-9175-6C876832AA2B}" type="slidenum">
               <a:rPr lang="en-US" smtClean="0"/>
-              <a:t>12</a:t>
+              <a:t>13</a:t>
             </a:fld>
             <a:endParaRPr lang="en-US"/>
           </a:p>
@@ -4618,7 +4823,6 @@
               <a:rPr lang="en-US" dirty="0" smtClean="0"/>
               <a:t>PM concentration</a:t>
             </a:r>
-            <a:endParaRPr lang="en-US" dirty="0" smtClean="0"/>
           </a:p>
         </p:txBody>
       </p:sp>
@@ -4663,7 +4867,6 @@
               <a:rPr lang="en-US" dirty="0" smtClean="0"/>
               <a:t>mortality</a:t>
             </a:r>
-            <a:endParaRPr lang="en-US" dirty="0" smtClean="0"/>
           </a:p>
         </p:txBody>
       </p:sp>
@@ -4757,7 +4960,6 @@
               <a:rPr lang="en-US" dirty="0" smtClean="0"/>
               <a:t>variables?</a:t>
             </a:r>
-            <a:endParaRPr lang="en-US" dirty="0" smtClean="0"/>
           </a:p>
         </p:txBody>
       </p:sp>
@@ -4853,7 +5055,7 @@
 </p:sld>
 </file>
 
-<file path=ppt/slides/slide13.xml><?xml version="1.0" encoding="utf-8"?>
+<file path=ppt/slides/slide14.xml><?xml version="1.0" encoding="utf-8"?>
 <p:sld xmlns:a="http://schemas.openxmlformats.org/drawingml/2006/main" xmlns:r="http://schemas.openxmlformats.org/officeDocument/2006/relationships" xmlns:p="http://schemas.openxmlformats.org/presentationml/2006/main">
   <p:cSld>
     <p:spTree>
@@ -4912,7 +5114,7 @@
           <a:p>
             <a:fld id="{2E49A1BC-06DB-0849-9175-6C876832AA2B}" type="slidenum">
               <a:rPr lang="en-US" smtClean="0"/>
-              <a:t>13</a:t>
+              <a:t>14</a:t>
             </a:fld>
             <a:endParaRPr lang="en-US"/>
           </a:p>
@@ -5015,7 +5217,7 @@
 </p:sld>
 </file>
 
-<file path=ppt/slides/slide14.xml><?xml version="1.0" encoding="utf-8"?>
+<file path=ppt/slides/slide15.xml><?xml version="1.0" encoding="utf-8"?>
 <p:sld xmlns:a="http://schemas.openxmlformats.org/drawingml/2006/main" xmlns:r="http://schemas.openxmlformats.org/officeDocument/2006/relationships" xmlns:p="http://schemas.openxmlformats.org/presentationml/2006/main">
   <p:cSld>
     <p:spTree>
@@ -5074,7 +5276,7 @@
           <a:p>
             <a:fld id="{2E49A1BC-06DB-0849-9175-6C876832AA2B}" type="slidenum">
               <a:rPr lang="en-US" smtClean="0"/>
-              <a:t>14</a:t>
+              <a:t>15</a:t>
             </a:fld>
             <a:endParaRPr lang="en-US"/>
           </a:p>
@@ -5177,7 +5379,7 @@
 </p:sld>
 </file>
 
-<file path=ppt/slides/slide15.xml><?xml version="1.0" encoding="utf-8"?>
+<file path=ppt/slides/slide16.xml><?xml version="1.0" encoding="utf-8"?>
 <p:sld xmlns:a="http://schemas.openxmlformats.org/drawingml/2006/main" xmlns:r="http://schemas.openxmlformats.org/officeDocument/2006/relationships" xmlns:p="http://schemas.openxmlformats.org/presentationml/2006/main">
   <p:cSld>
     <p:spTree>
@@ -5236,7 +5438,7 @@
           <a:p>
             <a:fld id="{2E49A1BC-06DB-0849-9175-6C876832AA2B}" type="slidenum">
               <a:rPr lang="en-US" smtClean="0"/>
-              <a:t>15</a:t>
+              <a:t>16</a:t>
             </a:fld>
             <a:endParaRPr lang="en-US"/>
           </a:p>
@@ -5339,7 +5541,7 @@
 </p:sld>
 </file>
 
-<file path=ppt/slides/slide16.xml><?xml version="1.0" encoding="utf-8"?>
+<file path=ppt/slides/slide17.xml><?xml version="1.0" encoding="utf-8"?>
 <p:sld xmlns:a="http://schemas.openxmlformats.org/drawingml/2006/main" xmlns:r="http://schemas.openxmlformats.org/officeDocument/2006/relationships" xmlns:p="http://schemas.openxmlformats.org/presentationml/2006/main">
   <p:cSld>
     <p:spTree>
@@ -5398,7 +5600,7 @@
           <a:p>
             <a:fld id="{2E49A1BC-06DB-0849-9175-6C876832AA2B}" type="slidenum">
               <a:rPr lang="en-US" smtClean="0"/>
-              <a:t>16</a:t>
+              <a:t>17</a:t>
             </a:fld>
             <a:endParaRPr lang="en-US"/>
           </a:p>
@@ -5501,7 +5703,7 @@
 </p:sld>
 </file>
 
-<file path=ppt/slides/slide17.xml><?xml version="1.0" encoding="utf-8"?>
+<file path=ppt/slides/slide18.xml><?xml version="1.0" encoding="utf-8"?>
 <p:sld xmlns:a="http://schemas.openxmlformats.org/drawingml/2006/main" xmlns:r="http://schemas.openxmlformats.org/officeDocument/2006/relationships" xmlns:p="http://schemas.openxmlformats.org/presentationml/2006/main">
   <p:cSld>
     <p:spTree>
@@ -5543,8 +5745,8 @@
           </a:p>
         </p:txBody>
       </p:sp>
-      <mc:AlternateContent xmlns:mc="http://schemas.openxmlformats.org/markup-compatibility/2006">
-        <mc:Choice xmlns:a14="http://schemas.microsoft.com/office/drawing/2010/main" Requires="a14">
+      <mc:AlternateContent xmlns:mc="http://schemas.openxmlformats.org/markup-compatibility/2006" xmlns:a14="http://schemas.microsoft.com/office/drawing/2010/main">
+        <mc:Choice Requires="a14">
           <p:sp>
             <p:nvSpPr>
               <p:cNvPr id="3" name="Content Placeholder 2"/>
@@ -5660,11 +5862,7 @@
                 </a14:m>
                 <a:r>
                   <a:rPr lang="en-US" dirty="0" smtClean="0"/>
-                  <a:t>expected or mean “rate</a:t>
-                </a:r>
-                <a:r>
-                  <a:rPr lang="en-US" dirty="0" smtClean="0"/>
-                  <a:t>” of events per day in the time period</a:t>
+                  <a:t>expected or mean “rate” of events per day in the time period</a:t>
                 </a:r>
               </a:p>
               <a:p>
@@ -5713,11 +5911,7 @@
               <a:p>
                 <a:r>
                   <a:rPr lang="en-US" dirty="0" smtClean="0"/>
-                  <a:t>Model equation</a:t>
-                </a:r>
-                <a:r>
-                  <a:rPr lang="en-US" dirty="0" smtClean="0"/>
-                  <a:t>: </a:t>
+                  <a:t>Model equation: </a:t>
                 </a:r>
               </a:p>
               <a:p>
@@ -6000,7 +6194,7 @@
             </p:txBody>
           </p:sp>
         </mc:Choice>
-        <mc:Fallback>
+        <mc:Fallback xmlns="">
           <p:sp>
             <p:nvSpPr>
               <p:cNvPr id="3" name="Content Placeholder 2"/>
@@ -6051,7 +6245,7 @@
           <a:p>
             <a:fld id="{2E49A1BC-06DB-0849-9175-6C876832AA2B}" type="slidenum">
               <a:rPr lang="en-US" smtClean="0"/>
-              <a:t>17</a:t>
+              <a:t>18</a:t>
             </a:fld>
             <a:endParaRPr lang="en-US"/>
           </a:p>
@@ -6097,7 +6291,7 @@
 </p:sld>
 </file>
 
-<file path=ppt/slides/slide18.xml><?xml version="1.0" encoding="utf-8"?>
+<file path=ppt/slides/slide19.xml><?xml version="1.0" encoding="utf-8"?>
 <p:sld xmlns:a="http://schemas.openxmlformats.org/drawingml/2006/main" xmlns:r="http://schemas.openxmlformats.org/officeDocument/2006/relationships" xmlns:p="http://schemas.openxmlformats.org/presentationml/2006/main">
   <p:cSld>
     <p:spTree>
@@ -6137,8 +6331,8 @@
           </a:p>
         </p:txBody>
       </p:sp>
-      <mc:AlternateContent xmlns:mc="http://schemas.openxmlformats.org/markup-compatibility/2006">
-        <mc:Choice xmlns:a14="http://schemas.microsoft.com/office/drawing/2010/main" Requires="a14">
+      <mc:AlternateContent xmlns:mc="http://schemas.openxmlformats.org/markup-compatibility/2006" xmlns:a14="http://schemas.microsoft.com/office/drawing/2010/main">
+        <mc:Choice Requires="a14">
           <p:sp>
             <p:nvSpPr>
               <p:cNvPr id="3" name="Content Placeholder 2"/>
@@ -6585,13 +6779,7 @@
                       <a:rPr lang="en-US" b="0" i="1" smtClean="0">
                         <a:latin typeface="Cambria Math" charset="0"/>
                       </a:rPr>
-                      <m:t>=5</m:t>
-                    </m:r>
-                    <m:r>
-                      <a:rPr lang="en-US" b="0" i="1" smtClean="0">
-                        <a:latin typeface="Cambria Math" charset="0"/>
-                      </a:rPr>
-                      <m:t>)=</m:t>
+                      <m:t>=5)=</m:t>
                     </m:r>
                     <m:sSub>
                       <m:sSubPr>
@@ -7265,13 +7453,7 @@
                       <a:rPr lang="en-US" i="1">
                         <a:latin typeface="Cambria Math" charset="0"/>
                       </a:rPr>
-                      <m:t>=</m:t>
-                    </m:r>
-                    <m:r>
-                      <a:rPr lang="en-US" i="1">
-                        <a:latin typeface="Cambria Math" charset="0"/>
-                      </a:rPr>
-                      <m:t>6</m:t>
+                      <m:t>=6</m:t>
                     </m:r>
                   </m:oMath>
                 </a14:m>
@@ -7338,11 +7520,7 @@
                 </a:pPr>
                 <a:r>
                   <a:rPr lang="en-US" dirty="0" smtClean="0"/>
-                  <a:t> </a:t>
-                </a:r>
-                <a:r>
-                  <a:rPr lang="en-US" dirty="0" smtClean="0"/>
-                  <a:t>  </a:t>
+                  <a:t>   </a:t>
                 </a:r>
                 <a14:m>
                   <m:oMath xmlns:m="http://schemas.openxmlformats.org/officeDocument/2006/math">
@@ -7787,25 +7965,7 @@
                           </a:solidFill>
                           <a:latin typeface="Cambria Math" charset="0"/>
                         </a:rPr>
-                        <m:t>)</m:t>
-                      </m:r>
-                      <m:r>
-                        <a:rPr lang="en-US" b="0" i="1" smtClean="0">
-                          <a:solidFill>
-                            <a:schemeClr val="tx1"/>
-                          </a:solidFill>
-                          <a:latin typeface="Cambria Math" charset="0"/>
-                        </a:rPr>
-                        <m:t>−</m:t>
-                      </m:r>
-                      <m:r>
-                        <a:rPr lang="en-US" b="0" i="1" smtClean="0">
-                          <a:solidFill>
-                            <a:schemeClr val="tx1"/>
-                          </a:solidFill>
-                          <a:latin typeface="Cambria Math" charset="0"/>
-                        </a:rPr>
-                        <m:t>(</m:t>
+                        <m:t>)−(</m:t>
                       </m:r>
                       <m:sSub>
                         <m:sSubPr>
@@ -8192,13 +8352,7 @@
                               <a:rPr lang="en-US" i="1">
                                 <a:latin typeface="Cambria Math" charset="0"/>
                               </a:rPr>
-                              <m:t>=</m:t>
-                            </m:r>
-                            <m:r>
-                              <a:rPr lang="en-US" i="1">
-                                <a:latin typeface="Cambria Math" charset="0"/>
-                              </a:rPr>
-                              <m:t>6</m:t>
+                              <m:t>=6</m:t>
                             </m:r>
                           </m:num>
                           <m:den>
@@ -8341,19 +8495,7 @@
                       <a:rPr lang="en-US" i="1">
                         <a:latin typeface="Cambria Math" charset="0"/>
                       </a:rPr>
-                      <m:t>=</m:t>
-                    </m:r>
-                    <m:r>
-                      <a:rPr lang="en-US" i="1">
-                        <a:latin typeface="Cambria Math" charset="0"/>
-                      </a:rPr>
-                      <m:t>6</m:t>
-                    </m:r>
-                    <m:r>
-                      <a:rPr lang="en-US" i="1">
-                        <a:latin typeface="Cambria Math" charset="0"/>
-                      </a:rPr>
-                      <m:t>)−</m:t>
+                      <m:t>=6)−</m:t>
                     </m:r>
                     <m:func>
                       <m:funcPr>
@@ -8424,13 +8566,7 @@
                       <a:rPr lang="en-US" i="1">
                         <a:latin typeface="Cambria Math" charset="0"/>
                       </a:rPr>
-                      <m:t>=5)</m:t>
-                    </m:r>
-                    <m:r>
-                      <a:rPr lang="en-US" i="1">
-                        <a:latin typeface="Cambria Math" charset="0"/>
-                      </a:rPr>
-                      <m:t>=</m:t>
+                      <m:t>=5)=</m:t>
                     </m:r>
                     <m:sSub>
                       <m:sSubPr>
@@ -8643,7 +8779,7 @@
             </p:txBody>
           </p:sp>
         </mc:Choice>
-        <mc:Fallback>
+        <mc:Fallback xmlns="">
           <p:sp>
             <p:nvSpPr>
               <p:cNvPr id="3" name="Content Placeholder 2"/>
@@ -8694,7 +8830,7 @@
           <a:p>
             <a:fld id="{2E49A1BC-06DB-0849-9175-6C876832AA2B}" type="slidenum">
               <a:rPr lang="en-US" smtClean="0"/>
-              <a:t>18</a:t>
+              <a:t>19</a:t>
             </a:fld>
             <a:endParaRPr lang="en-US"/>
           </a:p>
@@ -8731,361 +8867,6 @@
     <p:extLst>
       <p:ext uri="{BB962C8B-B14F-4D97-AF65-F5344CB8AC3E}">
         <p14:creationId xmlns:p14="http://schemas.microsoft.com/office/powerpoint/2010/main" val="1456773505"/>
-      </p:ext>
-    </p:extLst>
-  </p:cSld>
-  <p:clrMapOvr>
-    <a:masterClrMapping/>
-  </p:clrMapOvr>
-</p:sld>
-</file>
-
-<file path=ppt/slides/slide19.xml><?xml version="1.0" encoding="utf-8"?>
-<p:sld xmlns:a="http://schemas.openxmlformats.org/drawingml/2006/main" xmlns:r="http://schemas.openxmlformats.org/officeDocument/2006/relationships" xmlns:p="http://schemas.openxmlformats.org/presentationml/2006/main">
-  <p:cSld>
-    <p:spTree>
-      <p:nvGrpSpPr>
-        <p:cNvPr id="1" name=""/>
-        <p:cNvGrpSpPr/>
-        <p:nvPr/>
-      </p:nvGrpSpPr>
-      <p:grpSpPr>
-        <a:xfrm>
-          <a:off x="0" y="0"/>
-          <a:ext cx="0" cy="0"/>
-          <a:chOff x="0" y="0"/>
-          <a:chExt cx="0" cy="0"/>
-        </a:xfrm>
-      </p:grpSpPr>
-      <p:sp>
-        <p:nvSpPr>
-          <p:cNvPr id="2" name="Title 1"/>
-          <p:cNvSpPr>
-            <a:spLocks noGrp="1"/>
-          </p:cNvSpPr>
-          <p:nvPr>
-            <p:ph type="title"/>
-          </p:nvPr>
-        </p:nvSpPr>
-        <p:spPr/>
-        <p:txBody>
-          <a:bodyPr/>
-          <a:lstStyle/>
-          <a:p>
-            <a:r>
-              <a:rPr lang="en-US" dirty="0" smtClean="0"/>
-              <a:t>Assignment 2.1</a:t>
-            </a:r>
-            <a:endParaRPr lang="en-US" dirty="0"/>
-          </a:p>
-        </p:txBody>
-      </p:sp>
-      <p:sp>
-        <p:nvSpPr>
-          <p:cNvPr id="3" name="Content Placeholder 2"/>
-          <p:cNvSpPr>
-            <a:spLocks noGrp="1"/>
-          </p:cNvSpPr>
-          <p:nvPr>
-            <p:ph idx="1"/>
-          </p:nvPr>
-        </p:nvSpPr>
-        <p:spPr/>
-        <p:txBody>
-          <a:bodyPr>
-            <a:normAutofit fontScale="77500" lnSpcReduction="20000"/>
-          </a:bodyPr>
-          <a:lstStyle/>
-          <a:p>
-            <a:pPr marL="457200" indent="-457200">
-              <a:buFont typeface="+mj-lt"/>
-              <a:buAutoNum type="arabicPeriod"/>
-            </a:pPr>
-            <a:r>
-              <a:rPr lang="en-US" dirty="0" smtClean="0"/>
-              <a:t>Watch Dr. Roger Peng’s guest lecture from Public Health Biostatistics, posted on Blackboard.</a:t>
-            </a:r>
-          </a:p>
-          <a:p>
-            <a:pPr marL="1257300" lvl="2" indent="-457200">
-              <a:buFont typeface="+mj-lt"/>
-              <a:buAutoNum type="arabicPeriod"/>
-            </a:pPr>
-            <a:endParaRPr lang="en-US" dirty="0" smtClean="0"/>
-          </a:p>
-          <a:p>
-            <a:pPr marL="457200" indent="-457200">
-              <a:buFont typeface="+mj-lt"/>
-              <a:buAutoNum type="arabicPeriod"/>
-            </a:pPr>
-            <a:r>
-              <a:rPr lang="en-US" dirty="0" smtClean="0"/>
-              <a:t>Access 2-4 of </a:t>
-            </a:r>
-            <a:r>
-              <a:rPr lang="en-US" dirty="0" smtClean="0"/>
-              <a:t>the 8 city data sets on </a:t>
-            </a:r>
-            <a:r>
-              <a:rPr lang="en-US" dirty="0" err="1" smtClean="0"/>
-              <a:t>Github</a:t>
-            </a:r>
-            <a:r>
-              <a:rPr lang="en-US" dirty="0" smtClean="0"/>
-              <a:t> to </a:t>
-            </a:r>
-            <a:r>
-              <a:rPr lang="en-US" dirty="0" smtClean="0"/>
-              <a:t>use in your </a:t>
-            </a:r>
-            <a:r>
-              <a:rPr lang="en-US" dirty="0" smtClean="0"/>
-              <a:t>analysis</a:t>
-            </a:r>
-            <a:r>
-              <a:rPr lang="en-US" dirty="0" smtClean="0"/>
-              <a:t>, one for each member of your group.</a:t>
-            </a:r>
-            <a:r>
-              <a:rPr lang="en-US" dirty="0" smtClean="0"/>
-              <a:t> </a:t>
-            </a:r>
-          </a:p>
-          <a:p>
-            <a:pPr marL="1257300" lvl="2" indent="-457200">
-              <a:buFont typeface="+mj-lt"/>
-              <a:buAutoNum type="arabicPeriod"/>
-            </a:pPr>
-            <a:endParaRPr lang="en-US" dirty="0" smtClean="0"/>
-          </a:p>
-          <a:p>
-            <a:pPr marL="457200" indent="-457200">
-              <a:buFont typeface="+mj-lt"/>
-              <a:buAutoNum type="arabicPeriod"/>
-            </a:pPr>
-            <a:r>
-              <a:rPr lang="en-US" dirty="0" smtClean="0"/>
-              <a:t>For each of your chosen cities, </a:t>
-            </a:r>
-            <a:r>
-              <a:rPr lang="en-US" dirty="0" smtClean="0"/>
-              <a:t>make </a:t>
-            </a:r>
-            <a:r>
-              <a:rPr lang="en-US" dirty="0" smtClean="0"/>
-              <a:t>a time series display of PM10, temperature, and total mortality versus date</a:t>
-            </a:r>
-            <a:r>
-              <a:rPr lang="en-US" dirty="0" smtClean="0"/>
-              <a:t>.  You want the display for </a:t>
-            </a:r>
-            <a:r>
-              <a:rPr lang="en-US" smtClean="0"/>
-              <a:t>each city to </a:t>
-            </a:r>
-            <a:r>
-              <a:rPr lang="en-US" dirty="0" smtClean="0"/>
-              <a:t>be a single page graphic, rather than separate graphics for each variable.</a:t>
-            </a:r>
-          </a:p>
-          <a:p>
-            <a:pPr marL="1257300" lvl="2" indent="-457200">
-              <a:buFont typeface="+mj-lt"/>
-              <a:buAutoNum type="arabicPeriod"/>
-            </a:pPr>
-            <a:endParaRPr lang="en-US" dirty="0" smtClean="0"/>
-          </a:p>
-          <a:p>
-            <a:pPr marL="457200" indent="-457200">
-              <a:buFont typeface="+mj-lt"/>
-              <a:buAutoNum type="arabicPeriod"/>
-            </a:pPr>
-            <a:r>
-              <a:rPr lang="en-US" dirty="0" smtClean="0"/>
-              <a:t>For each </a:t>
-            </a:r>
-            <a:r>
-              <a:rPr lang="en-US" dirty="0" smtClean="0"/>
-              <a:t>city, f</a:t>
-            </a:r>
-            <a:r>
-              <a:rPr lang="en-US" dirty="0" smtClean="0"/>
-              <a:t>it </a:t>
-            </a:r>
-            <a:r>
-              <a:rPr lang="en-US" dirty="0" smtClean="0"/>
-              <a:t>the following three </a:t>
-            </a:r>
-            <a:r>
-              <a:rPr lang="en-US" dirty="0" smtClean="0"/>
-              <a:t>log-linear (</a:t>
-            </a:r>
-            <a:r>
-              <a:rPr lang="en-US" dirty="0" smtClean="0"/>
-              <a:t>Poisson)</a:t>
-            </a:r>
-            <a:r>
-              <a:rPr lang="en-US" dirty="0" smtClean="0"/>
-              <a:t> </a:t>
-            </a:r>
-            <a:r>
-              <a:rPr lang="en-US" dirty="0" smtClean="0"/>
-              <a:t>models:</a:t>
-            </a:r>
-          </a:p>
-          <a:p>
-            <a:pPr lvl="1"/>
-            <a:r>
-              <a:rPr lang="en-US" dirty="0" smtClean="0"/>
-              <a:t>Model A: death ~ pm10</a:t>
-            </a:r>
-          </a:p>
-          <a:p>
-            <a:pPr lvl="1"/>
-            <a:r>
-              <a:rPr lang="en-US" dirty="0" smtClean="0"/>
-              <a:t>Model B: death ~ pm10 + </a:t>
-            </a:r>
-            <a:r>
-              <a:rPr lang="en-US" dirty="0" err="1" smtClean="0"/>
-              <a:t>as.factor</a:t>
-            </a:r>
-            <a:r>
-              <a:rPr lang="en-US" dirty="0" smtClean="0"/>
-              <a:t>(season)</a:t>
-            </a:r>
-          </a:p>
-          <a:p>
-            <a:pPr lvl="1"/>
-            <a:r>
-              <a:rPr lang="en-US" dirty="0" smtClean="0"/>
-              <a:t>Model C: death ~ pm10 + </a:t>
-            </a:r>
-            <a:r>
-              <a:rPr lang="en-US" dirty="0" err="1" smtClean="0"/>
-              <a:t>as.factor</a:t>
-            </a:r>
-            <a:r>
-              <a:rPr lang="en-US" dirty="0" smtClean="0"/>
-              <a:t>(month</a:t>
-            </a:r>
-            <a:r>
-              <a:rPr lang="en-US" dirty="0" smtClean="0"/>
-              <a:t>)</a:t>
-            </a:r>
-          </a:p>
-          <a:p>
-            <a:pPr lvl="3"/>
-            <a:endParaRPr lang="en-US" dirty="0" smtClean="0"/>
-          </a:p>
-          <a:p>
-            <a:pPr marL="457200" indent="-457200">
-              <a:buFont typeface="+mj-lt"/>
-              <a:buAutoNum type="arabicPeriod"/>
-            </a:pPr>
-            <a:r>
-              <a:rPr lang="en-US" dirty="0" smtClean="0"/>
-              <a:t>Make a </a:t>
-            </a:r>
-            <a:r>
-              <a:rPr lang="en-US" dirty="0" smtClean="0"/>
-              <a:t>tabular display that compares the </a:t>
-            </a:r>
-            <a:r>
-              <a:rPr lang="en-US" dirty="0" smtClean="0"/>
-              <a:t>estimated log relative </a:t>
-            </a:r>
-            <a:r>
-              <a:rPr lang="en-US" dirty="0" smtClean="0"/>
-              <a:t>mortality rate </a:t>
-            </a:r>
-            <a:r>
-              <a:rPr lang="en-US" dirty="0" smtClean="0"/>
-              <a:t>for PM10 for </a:t>
-            </a:r>
-            <a:r>
-              <a:rPr lang="en-US" dirty="0" smtClean="0"/>
-              <a:t>these three </a:t>
-            </a:r>
-            <a:r>
-              <a:rPr lang="en-US" dirty="0" smtClean="0"/>
-              <a:t>models</a:t>
-            </a:r>
-          </a:p>
-          <a:p>
-            <a:pPr marL="0" indent="0">
-              <a:buNone/>
-            </a:pPr>
-            <a:endParaRPr lang="en-US" dirty="0" smtClean="0"/>
-          </a:p>
-          <a:p>
-            <a:r>
-              <a:rPr lang="en-US" sz="1800" dirty="0" smtClean="0"/>
-              <a:t>Work together in groups!</a:t>
-            </a:r>
-          </a:p>
-          <a:p>
-            <a:r>
-              <a:rPr lang="en-US" sz="1800" dirty="0" smtClean="0"/>
-              <a:t>Submit your assignment in R markdown through Blackboard by Sunday @ midnight.</a:t>
-            </a:r>
-          </a:p>
-        </p:txBody>
-      </p:sp>
-      <p:sp>
-        <p:nvSpPr>
-          <p:cNvPr id="6" name="Slide Number Placeholder 5"/>
-          <p:cNvSpPr>
-            <a:spLocks noGrp="1"/>
-          </p:cNvSpPr>
-          <p:nvPr>
-            <p:ph type="sldNum" sz="quarter" idx="12"/>
-          </p:nvPr>
-        </p:nvSpPr>
-        <p:spPr/>
-        <p:txBody>
-          <a:bodyPr/>
-          <a:lstStyle/>
-          <a:p>
-            <a:fld id="{2E49A1BC-06DB-0849-9175-6C876832AA2B}" type="slidenum">
-              <a:rPr lang="en-US" smtClean="0"/>
-              <a:t>19</a:t>
-            </a:fld>
-            <a:endParaRPr lang="en-US"/>
-          </a:p>
-        </p:txBody>
-      </p:sp>
-      <p:sp>
-        <p:nvSpPr>
-          <p:cNvPr id="7" name="Footer Placeholder 4"/>
-          <p:cNvSpPr>
-            <a:spLocks noGrp="1"/>
-          </p:cNvSpPr>
-          <p:nvPr>
-            <p:ph type="ftr" sz="quarter" idx="11"/>
-          </p:nvPr>
-        </p:nvSpPr>
-        <p:spPr>
-          <a:xfrm>
-            <a:off x="2590800" y="6356350"/>
-            <a:ext cx="3962400" cy="365125"/>
-          </a:xfrm>
-        </p:spPr>
-        <p:txBody>
-          <a:bodyPr/>
-          <a:lstStyle/>
-          <a:p>
-            <a:r>
-              <a:rPr lang="en-US" dirty="0"/>
-              <a:t>Health Data Analysis Practicum </a:t>
-            </a:r>
-          </a:p>
-        </p:txBody>
-      </p:sp>
-    </p:spTree>
-    <p:extLst>
-      <p:ext uri="{BB962C8B-B14F-4D97-AF65-F5344CB8AC3E}">
-        <p14:creationId xmlns:p14="http://schemas.microsoft.com/office/powerpoint/2010/main" val="1578431513"/>
       </p:ext>
     </p:extLst>
   </p:cSld>
@@ -9187,7 +8968,6 @@
               <a:rPr lang="en-US" dirty="0" smtClean="0"/>
               <a:t>Outcome: </a:t>
             </a:r>
-            <a:endParaRPr lang="en-US" dirty="0" smtClean="0"/>
           </a:p>
           <a:p>
             <a:pPr lvl="1"/>
@@ -9235,7 +9015,6 @@
               <a:rPr lang="en-US" dirty="0" smtClean="0"/>
               <a:t>Directed Acyclic Graph (DAG):</a:t>
             </a:r>
-            <a:endParaRPr lang="en-US" dirty="0" smtClean="0"/>
           </a:p>
           <a:p>
             <a:endParaRPr lang="en-US" dirty="0"/>
@@ -9335,6 +9114,326 @@
     <p:extLst>
       <p:ext uri="{BB962C8B-B14F-4D97-AF65-F5344CB8AC3E}">
         <p14:creationId xmlns:p14="http://schemas.microsoft.com/office/powerpoint/2010/main" val="1307127658"/>
+      </p:ext>
+    </p:extLst>
+  </p:cSld>
+  <p:clrMapOvr>
+    <a:masterClrMapping/>
+  </p:clrMapOvr>
+</p:sld>
+</file>
+
+<file path=ppt/slides/slide20.xml><?xml version="1.0" encoding="utf-8"?>
+<p:sld xmlns:a="http://schemas.openxmlformats.org/drawingml/2006/main" xmlns:r="http://schemas.openxmlformats.org/officeDocument/2006/relationships" xmlns:p="http://schemas.openxmlformats.org/presentationml/2006/main">
+  <p:cSld>
+    <p:spTree>
+      <p:nvGrpSpPr>
+        <p:cNvPr id="1" name=""/>
+        <p:cNvGrpSpPr/>
+        <p:nvPr/>
+      </p:nvGrpSpPr>
+      <p:grpSpPr>
+        <a:xfrm>
+          <a:off x="0" y="0"/>
+          <a:ext cx="0" cy="0"/>
+          <a:chOff x="0" y="0"/>
+          <a:chExt cx="0" cy="0"/>
+        </a:xfrm>
+      </p:grpSpPr>
+      <p:sp>
+        <p:nvSpPr>
+          <p:cNvPr id="2" name="Title 1"/>
+          <p:cNvSpPr>
+            <a:spLocks noGrp="1"/>
+          </p:cNvSpPr>
+          <p:nvPr>
+            <p:ph type="title"/>
+          </p:nvPr>
+        </p:nvSpPr>
+        <p:spPr/>
+        <p:txBody>
+          <a:bodyPr/>
+          <a:lstStyle/>
+          <a:p>
+            <a:r>
+              <a:rPr lang="en-US" dirty="0" smtClean="0"/>
+              <a:t>Assignment 2.1</a:t>
+            </a:r>
+            <a:endParaRPr lang="en-US" dirty="0"/>
+          </a:p>
+        </p:txBody>
+      </p:sp>
+      <p:sp>
+        <p:nvSpPr>
+          <p:cNvPr id="3" name="Content Placeholder 2"/>
+          <p:cNvSpPr>
+            <a:spLocks noGrp="1"/>
+          </p:cNvSpPr>
+          <p:nvPr>
+            <p:ph idx="1"/>
+          </p:nvPr>
+        </p:nvSpPr>
+        <p:spPr/>
+        <p:txBody>
+          <a:bodyPr>
+            <a:normAutofit fontScale="70000" lnSpcReduction="20000"/>
+          </a:bodyPr>
+          <a:lstStyle/>
+          <a:p>
+            <a:pPr marL="457200" indent="-457200">
+              <a:buFont typeface="+mj-lt"/>
+              <a:buAutoNum type="arabicPeriod"/>
+            </a:pPr>
+            <a:r>
+              <a:rPr lang="en-US" dirty="0" smtClean="0"/>
+              <a:t>Watch Dr. Roger Peng’s guest lecture from Public Health </a:t>
+            </a:r>
+            <a:r>
+              <a:rPr lang="en-US" dirty="0" smtClean="0"/>
+              <a:t>Biostatistics:</a:t>
+            </a:r>
+          </a:p>
+          <a:p>
+            <a:pPr marL="0" indent="0">
+              <a:buNone/>
+            </a:pPr>
+            <a:r>
+              <a:rPr lang="en-US" dirty="0"/>
+              <a:t>	</a:t>
+            </a:r>
+            <a:r>
+              <a:rPr lang="en-US" dirty="0" smtClean="0"/>
+              <a:t>(watch </a:t>
+            </a:r>
+            <a:r>
+              <a:rPr lang="en-US" smtClean="0"/>
+              <a:t>through tim</a:t>
+            </a:r>
+            <a:r>
+              <a:rPr lang="en-US" smtClean="0"/>
+              <a:t>e </a:t>
+            </a:r>
+            <a:r>
+              <a:rPr lang="en-US" smtClean="0"/>
+              <a:t>35:35 </a:t>
+            </a:r>
+            <a:r>
+              <a:rPr lang="en-US" dirty="0" smtClean="0"/>
+              <a:t>at the following link)</a:t>
+            </a:r>
+            <a:endParaRPr lang="en-US" dirty="0" smtClean="0"/>
+          </a:p>
+          <a:p>
+            <a:pPr marL="400050" lvl="1" indent="0">
+              <a:buNone/>
+            </a:pPr>
+            <a:r>
+              <a:rPr lang="en-US" dirty="0" smtClean="0">
+                <a:hlinkClick r:id="rId2"/>
+              </a:rPr>
+              <a:t>https</a:t>
+            </a:r>
+            <a:r>
+              <a:rPr lang="en-US" dirty="0">
+                <a:hlinkClick r:id="rId2"/>
+              </a:rPr>
+              <a:t>://</a:t>
+            </a:r>
+            <a:r>
+              <a:rPr lang="en-US" dirty="0" smtClean="0">
+                <a:hlinkClick r:id="rId2"/>
+              </a:rPr>
+              <a:t>jh.hosted.panopto.com/Panopto/Pages/Viewer.aspx?id=33503a4e-7f30-4d4e-83cf-a9910149ad37</a:t>
+            </a:r>
+            <a:endParaRPr lang="en-US" dirty="0" smtClean="0"/>
+          </a:p>
+          <a:p>
+            <a:pPr marL="0" indent="0">
+              <a:buNone/>
+            </a:pPr>
+            <a:endParaRPr lang="en-US" dirty="0" smtClean="0"/>
+          </a:p>
+          <a:p>
+            <a:pPr marL="457200" indent="-457200">
+              <a:buFont typeface="+mj-lt"/>
+              <a:buAutoNum type="arabicPeriod" startAt="2"/>
+            </a:pPr>
+            <a:r>
+              <a:rPr lang="en-US" dirty="0" smtClean="0"/>
+              <a:t>Access </a:t>
+            </a:r>
+            <a:r>
+              <a:rPr lang="en-US" dirty="0" smtClean="0"/>
+              <a:t>2-4 of the 8 city data sets on </a:t>
+            </a:r>
+            <a:r>
+              <a:rPr lang="en-US" dirty="0" err="1" smtClean="0"/>
+              <a:t>Github</a:t>
+            </a:r>
+            <a:r>
+              <a:rPr lang="en-US" dirty="0" smtClean="0"/>
+              <a:t> to use in your analysis, one for each member of your group. </a:t>
+            </a:r>
+          </a:p>
+          <a:p>
+            <a:pPr marL="1257300" lvl="2" indent="-457200">
+              <a:buFont typeface="+mj-lt"/>
+              <a:buAutoNum type="arabicPeriod"/>
+            </a:pPr>
+            <a:endParaRPr lang="en-US" dirty="0" smtClean="0"/>
+          </a:p>
+          <a:p>
+            <a:pPr marL="457200" indent="-457200">
+              <a:buFont typeface="+mj-lt"/>
+              <a:buAutoNum type="arabicPeriod" startAt="2"/>
+            </a:pPr>
+            <a:r>
+              <a:rPr lang="en-US" dirty="0" smtClean="0"/>
+              <a:t>For each of your chosen cities, make a time series display of PM10, temperature, and total mortality versus date.  You want the display for each city to be a single page graphic, rather than separate graphics for each variable.</a:t>
+            </a:r>
+          </a:p>
+          <a:p>
+            <a:pPr marL="1257300" lvl="2" indent="-457200">
+              <a:buFont typeface="+mj-lt"/>
+              <a:buAutoNum type="arabicPeriod"/>
+            </a:pPr>
+            <a:endParaRPr lang="en-US" dirty="0" smtClean="0"/>
+          </a:p>
+          <a:p>
+            <a:pPr marL="457200" indent="-457200">
+              <a:buFont typeface="+mj-lt"/>
+              <a:buAutoNum type="arabicPeriod" startAt="2"/>
+            </a:pPr>
+            <a:r>
+              <a:rPr lang="en-US" dirty="0" smtClean="0"/>
+              <a:t>For each city, fit the following three log-linear (Poisson) models:</a:t>
+            </a:r>
+          </a:p>
+          <a:p>
+            <a:pPr lvl="1"/>
+            <a:r>
+              <a:rPr lang="en-US" dirty="0" smtClean="0"/>
+              <a:t>Model A: death ~ pm10</a:t>
+            </a:r>
+          </a:p>
+          <a:p>
+            <a:pPr lvl="1"/>
+            <a:r>
+              <a:rPr lang="en-US" dirty="0" smtClean="0"/>
+              <a:t>Model B: death ~ pm10 + </a:t>
+            </a:r>
+            <a:r>
+              <a:rPr lang="en-US" dirty="0" err="1" smtClean="0"/>
+              <a:t>as.factor</a:t>
+            </a:r>
+            <a:r>
+              <a:rPr lang="en-US" dirty="0" smtClean="0"/>
+              <a:t>(season)</a:t>
+            </a:r>
+          </a:p>
+          <a:p>
+            <a:pPr lvl="1"/>
+            <a:r>
+              <a:rPr lang="en-US" dirty="0" smtClean="0"/>
+              <a:t>Model C: death ~ pm10 + </a:t>
+            </a:r>
+            <a:r>
+              <a:rPr lang="en-US" dirty="0" err="1" smtClean="0"/>
+              <a:t>as.factor</a:t>
+            </a:r>
+            <a:r>
+              <a:rPr lang="en-US" dirty="0" smtClean="0"/>
+              <a:t>(month)</a:t>
+            </a:r>
+          </a:p>
+          <a:p>
+            <a:pPr lvl="3"/>
+            <a:endParaRPr lang="en-US" dirty="0" smtClean="0"/>
+          </a:p>
+          <a:p>
+            <a:pPr marL="457200" indent="-457200">
+              <a:buFont typeface="+mj-lt"/>
+              <a:buAutoNum type="arabicPeriod" startAt="2"/>
+            </a:pPr>
+            <a:r>
+              <a:rPr lang="en-US" dirty="0" smtClean="0"/>
+              <a:t>Make a tabular display that compares the estimated log relative mortality rate for PM10 for these three models</a:t>
+            </a:r>
+          </a:p>
+          <a:p>
+            <a:pPr marL="0" indent="0">
+              <a:buNone/>
+            </a:pPr>
+            <a:endParaRPr lang="en-US" dirty="0" smtClean="0"/>
+          </a:p>
+          <a:p>
+            <a:r>
+              <a:rPr lang="en-US" sz="1800" dirty="0" smtClean="0"/>
+              <a:t>Work together in groups!</a:t>
+            </a:r>
+          </a:p>
+          <a:p>
+            <a:r>
+              <a:rPr lang="en-US" sz="1800" dirty="0" smtClean="0"/>
+              <a:t>Submit your assignment in R markdown through Blackboard by Sunday @ midnight.</a:t>
+            </a:r>
+          </a:p>
+        </p:txBody>
+      </p:sp>
+      <p:sp>
+        <p:nvSpPr>
+          <p:cNvPr id="6" name="Slide Number Placeholder 5"/>
+          <p:cNvSpPr>
+            <a:spLocks noGrp="1"/>
+          </p:cNvSpPr>
+          <p:nvPr>
+            <p:ph type="sldNum" sz="quarter" idx="12"/>
+          </p:nvPr>
+        </p:nvSpPr>
+        <p:spPr/>
+        <p:txBody>
+          <a:bodyPr/>
+          <a:lstStyle/>
+          <a:p>
+            <a:fld id="{2E49A1BC-06DB-0849-9175-6C876832AA2B}" type="slidenum">
+              <a:rPr lang="en-US" smtClean="0"/>
+              <a:t>20</a:t>
+            </a:fld>
+            <a:endParaRPr lang="en-US"/>
+          </a:p>
+        </p:txBody>
+      </p:sp>
+      <p:sp>
+        <p:nvSpPr>
+          <p:cNvPr id="7" name="Footer Placeholder 4"/>
+          <p:cNvSpPr>
+            <a:spLocks noGrp="1"/>
+          </p:cNvSpPr>
+          <p:nvPr>
+            <p:ph type="ftr" sz="quarter" idx="11"/>
+          </p:nvPr>
+        </p:nvSpPr>
+        <p:spPr>
+          <a:xfrm>
+            <a:off x="2590800" y="6356350"/>
+            <a:ext cx="3962400" cy="365125"/>
+          </a:xfrm>
+        </p:spPr>
+        <p:txBody>
+          <a:bodyPr/>
+          <a:lstStyle/>
+          <a:p>
+            <a:r>
+              <a:rPr lang="en-US" dirty="0"/>
+              <a:t>Health Data Analysis Practicum </a:t>
+            </a:r>
+          </a:p>
+        </p:txBody>
+      </p:sp>
+    </p:spTree>
+    <p:extLst>
+      <p:ext uri="{BB962C8B-B14F-4D97-AF65-F5344CB8AC3E}">
+        <p14:creationId xmlns:p14="http://schemas.microsoft.com/office/powerpoint/2010/main" val="1578431513"/>
       </p:ext>
     </p:extLst>
   </p:cSld>
@@ -9432,7 +9531,6 @@
               <a:rPr lang="en-US" sz="6400" dirty="0" smtClean="0"/>
               <a:t>A data source that you can use to answer this question</a:t>
             </a:r>
-            <a:endParaRPr lang="en-US" sz="6400" dirty="0" smtClean="0"/>
           </a:p>
           <a:p>
             <a:pPr marL="0" indent="0">
@@ -9541,11 +9639,7 @@
           <a:p>
             <a:r>
               <a:rPr lang="en-US" sz="6400" dirty="0" smtClean="0"/>
-              <a:t>Or explore the links below to see what type of data is available</a:t>
-            </a:r>
-            <a:r>
-              <a:rPr lang="en-US" sz="6400" dirty="0" smtClean="0"/>
-              <a:t>:</a:t>
+              <a:t>Or explore the links below to see what type of data is available:</a:t>
             </a:r>
             <a:endParaRPr lang="en-US" sz="6400" dirty="0"/>
           </a:p>
